--- a/Presentation(multiple_formats)/Star_Wars_Survey.pptx
+++ b/Presentation(multiple_formats)/Star_Wars_Survey.pptx
@@ -21,6 +21,8 @@
     <p:sldId id="266" r:id="rId16"/>
     <p:sldId id="267" r:id="rId17"/>
     <p:sldId id="268" r:id="rId18"/>
+    <p:sldId id="269" r:id="rId19"/>
+    <p:sldId id="270" r:id="rId20"/>
   </p:sldIdLst>
   <p:sldSz cy="5143500" cx="9144000"/>
   <p:notesSz cx="6858000" cy="9144000"/>
@@ -1014,7 +1016,7 @@
       </p:grpSpPr>
       <p:sp>
         <p:nvSpPr>
-          <p:cNvPr id="123" name="Google Shape;123;g71d0f9cfe3_0_0:notes"/>
+          <p:cNvPr id="123" name="Google Shape;123;g868228953d_0_0:notes"/>
           <p:cNvSpPr/>
           <p:nvPr>
             <p:ph idx="2" type="sldImg"/>
@@ -1049,7 +1051,7 @@
       </p:sp>
       <p:sp>
         <p:nvSpPr>
-          <p:cNvPr id="124" name="Google Shape;124;g71d0f9cfe3_0_0:notes"/>
+          <p:cNvPr id="124" name="Google Shape;124;g868228953d_0_0:notes"/>
           <p:cNvSpPr txBox="1"/>
           <p:nvPr>
             <p:ph idx="1" type="body"/>
@@ -1113,7 +1115,7 @@
       </p:grpSpPr>
       <p:sp>
         <p:nvSpPr>
-          <p:cNvPr id="129" name="Google Shape;129;g71d0f9cfe3_0_5:notes"/>
+          <p:cNvPr id="129" name="Google Shape;129;g868228953d_0_7:notes"/>
           <p:cNvSpPr/>
           <p:nvPr>
             <p:ph idx="2" type="sldImg"/>
@@ -1148,7 +1150,205 @@
       </p:sp>
       <p:sp>
         <p:nvSpPr>
-          <p:cNvPr id="130" name="Google Shape;130;g71d0f9cfe3_0_5:notes"/>
+          <p:cNvPr id="130" name="Google Shape;130;g868228953d_0_7:notes"/>
+          <p:cNvSpPr txBox="1"/>
+          <p:nvPr>
+            <p:ph idx="1" type="body"/>
+          </p:nvPr>
+        </p:nvSpPr>
+        <p:spPr>
+          <a:xfrm>
+            <a:off x="685800" y="4343400"/>
+            <a:ext cx="5486400" cy="4114800"/>
+          </a:xfrm>
+          <a:prstGeom prst="rect">
+            <a:avLst/>
+          </a:prstGeom>
+        </p:spPr>
+        <p:txBody>
+          <a:bodyPr anchorCtr="0" anchor="t" bIns="91425" lIns="91425" spcFirstLastPara="1" rIns="91425" wrap="square" tIns="91425">
+            <a:noAutofit/>
+          </a:bodyPr>
+          <a:lstStyle/>
+          <a:p>
+            <a:pPr indent="0" lvl="0" marL="0" rtl="0" algn="l">
+              <a:spcBef>
+                <a:spcPts val="0"/>
+              </a:spcBef>
+              <a:spcAft>
+                <a:spcPts val="0"/>
+              </a:spcAft>
+              <a:buNone/>
+            </a:pPr>
+            <a:r>
+              <a:t/>
+            </a:r>
+            <a:endParaRPr/>
+          </a:p>
+        </p:txBody>
+      </p:sp>
+    </p:spTree>
+  </p:cSld>
+  <p:clrMapOvr>
+    <a:masterClrMapping/>
+  </p:clrMapOvr>
+</p:notes>
+</file>
+
+<file path=ppt/notesSlides/notesSlide14.xml><?xml version="1.0" encoding="utf-8"?>
+<p:notes xmlns:a="http://schemas.openxmlformats.org/drawingml/2006/main" xmlns:r="http://schemas.openxmlformats.org/officeDocument/2006/relationships" xmlns:mc="http://schemas.openxmlformats.org/markup-compatibility/2006" xmlns:mv="urn:schemas-microsoft-com:mac:vml" xmlns:p="http://schemas.openxmlformats.org/presentationml/2006/main" xmlns:c="http://schemas.openxmlformats.org/drawingml/2006/chart" xmlns:dgm="http://schemas.openxmlformats.org/drawingml/2006/diagram" xmlns:o="urn:schemas-microsoft-com:office:office" xmlns:v="urn:schemas-microsoft-com:vml" xmlns:pvml="urn:schemas-microsoft-com:office:powerpoint" xmlns:com="http://schemas.openxmlformats.org/drawingml/2006/compatibility" xmlns:p14="http://schemas.microsoft.com/office/powerpoint/2010/main" xmlns:p15="http://schemas.microsoft.com/office/powerpoint/2012/main" showMasterPhAnim="0" showMasterSp="0">
+  <p:cSld>
+    <p:spTree>
+      <p:nvGrpSpPr>
+        <p:cNvPr id="136" name="Shape 136"/>
+        <p:cNvGrpSpPr/>
+        <p:nvPr/>
+      </p:nvGrpSpPr>
+      <p:grpSpPr>
+        <a:xfrm>
+          <a:off x="0" y="0"/>
+          <a:ext cx="0" cy="0"/>
+          <a:chOff x="0" y="0"/>
+          <a:chExt cx="0" cy="0"/>
+        </a:xfrm>
+      </p:grpSpPr>
+      <p:sp>
+        <p:nvSpPr>
+          <p:cNvPr id="137" name="Google Shape;137;g71d0f9cfe3_0_0:notes"/>
+          <p:cNvSpPr/>
+          <p:nvPr>
+            <p:ph idx="2" type="sldImg"/>
+          </p:nvPr>
+        </p:nvSpPr>
+        <p:spPr>
+          <a:xfrm>
+            <a:off x="381300" y="685800"/>
+            <a:ext cx="6096000" cy="3429000"/>
+          </a:xfrm>
+          <a:custGeom>
+            <a:rect b="b" l="l" r="r" t="t"/>
+            <a:pathLst>
+              <a:path extrusionOk="0" h="120000" w="120000">
+                <a:moveTo>
+                  <a:pt x="0" y="0"/>
+                </a:moveTo>
+                <a:lnTo>
+                  <a:pt x="120000" y="0"/>
+                </a:lnTo>
+                <a:lnTo>
+                  <a:pt x="120000" y="120000"/>
+                </a:lnTo>
+                <a:lnTo>
+                  <a:pt x="0" y="120000"/>
+                </a:lnTo>
+                <a:close/>
+              </a:path>
+            </a:pathLst>
+          </a:custGeom>
+        </p:spPr>
+      </p:sp>
+      <p:sp>
+        <p:nvSpPr>
+          <p:cNvPr id="138" name="Google Shape;138;g71d0f9cfe3_0_0:notes"/>
+          <p:cNvSpPr txBox="1"/>
+          <p:nvPr>
+            <p:ph idx="1" type="body"/>
+          </p:nvPr>
+        </p:nvSpPr>
+        <p:spPr>
+          <a:xfrm>
+            <a:off x="685800" y="4343400"/>
+            <a:ext cx="5486400" cy="4114800"/>
+          </a:xfrm>
+          <a:prstGeom prst="rect">
+            <a:avLst/>
+          </a:prstGeom>
+        </p:spPr>
+        <p:txBody>
+          <a:bodyPr anchorCtr="0" anchor="t" bIns="91425" lIns="91425" spcFirstLastPara="1" rIns="91425" wrap="square" tIns="91425">
+            <a:noAutofit/>
+          </a:bodyPr>
+          <a:lstStyle/>
+          <a:p>
+            <a:pPr indent="0" lvl="0" marL="0" rtl="0" algn="l">
+              <a:spcBef>
+                <a:spcPts val="0"/>
+              </a:spcBef>
+              <a:spcAft>
+                <a:spcPts val="0"/>
+              </a:spcAft>
+              <a:buNone/>
+            </a:pPr>
+            <a:r>
+              <a:t/>
+            </a:r>
+            <a:endParaRPr/>
+          </a:p>
+        </p:txBody>
+      </p:sp>
+    </p:spTree>
+  </p:cSld>
+  <p:clrMapOvr>
+    <a:masterClrMapping/>
+  </p:clrMapOvr>
+</p:notes>
+</file>
+
+<file path=ppt/notesSlides/notesSlide15.xml><?xml version="1.0" encoding="utf-8"?>
+<p:notes xmlns:a="http://schemas.openxmlformats.org/drawingml/2006/main" xmlns:r="http://schemas.openxmlformats.org/officeDocument/2006/relationships" xmlns:mc="http://schemas.openxmlformats.org/markup-compatibility/2006" xmlns:mv="urn:schemas-microsoft-com:mac:vml" xmlns:p="http://schemas.openxmlformats.org/presentationml/2006/main" xmlns:c="http://schemas.openxmlformats.org/drawingml/2006/chart" xmlns:dgm="http://schemas.openxmlformats.org/drawingml/2006/diagram" xmlns:o="urn:schemas-microsoft-com:office:office" xmlns:v="urn:schemas-microsoft-com:vml" xmlns:pvml="urn:schemas-microsoft-com:office:powerpoint" xmlns:com="http://schemas.openxmlformats.org/drawingml/2006/compatibility" xmlns:p14="http://schemas.microsoft.com/office/powerpoint/2010/main" xmlns:p15="http://schemas.microsoft.com/office/powerpoint/2012/main" showMasterPhAnim="0" showMasterSp="0">
+  <p:cSld>
+    <p:spTree>
+      <p:nvGrpSpPr>
+        <p:cNvPr id="142" name="Shape 142"/>
+        <p:cNvGrpSpPr/>
+        <p:nvPr/>
+      </p:nvGrpSpPr>
+      <p:grpSpPr>
+        <a:xfrm>
+          <a:off x="0" y="0"/>
+          <a:ext cx="0" cy="0"/>
+          <a:chOff x="0" y="0"/>
+          <a:chExt cx="0" cy="0"/>
+        </a:xfrm>
+      </p:grpSpPr>
+      <p:sp>
+        <p:nvSpPr>
+          <p:cNvPr id="143" name="Google Shape;143;g71d0f9cfe3_0_5:notes"/>
+          <p:cNvSpPr/>
+          <p:nvPr>
+            <p:ph idx="2" type="sldImg"/>
+          </p:nvPr>
+        </p:nvSpPr>
+        <p:spPr>
+          <a:xfrm>
+            <a:off x="381300" y="685800"/>
+            <a:ext cx="6096000" cy="3429000"/>
+          </a:xfrm>
+          <a:custGeom>
+            <a:rect b="b" l="l" r="r" t="t"/>
+            <a:pathLst>
+              <a:path extrusionOk="0" h="120000" w="120000">
+                <a:moveTo>
+                  <a:pt x="0" y="0"/>
+                </a:moveTo>
+                <a:lnTo>
+                  <a:pt x="120000" y="0"/>
+                </a:lnTo>
+                <a:lnTo>
+                  <a:pt x="120000" y="120000"/>
+                </a:lnTo>
+                <a:lnTo>
+                  <a:pt x="0" y="120000"/>
+                </a:lnTo>
+                <a:close/>
+              </a:path>
+            </a:pathLst>
+          </a:custGeom>
+        </p:spPr>
+      </p:sp>
+      <p:sp>
+        <p:nvSpPr>
+          <p:cNvPr id="144" name="Google Shape;144;g71d0f9cfe3_0_5:notes"/>
           <p:cNvSpPr txBox="1"/>
           <p:nvPr>
             <p:ph idx="1" type="body"/>
@@ -6939,7 +7139,7 @@
             </a:pPr>
             <a:r>
               <a:rPr lang="en"/>
-              <a:t>-The highest number of fans were found in the East North Central and and South Atlantic Regions.</a:t>
+              <a:t>-The highest number of fans were found in the East North Central,South Atlantic, and Pacific  Regions, each representing between around 13% - 19% of fans.</a:t>
             </a:r>
             <a:endParaRPr/>
           </a:p>
@@ -7016,8 +7216,8 @@
         </p:blipFill>
         <p:spPr>
           <a:xfrm>
-            <a:off x="4039300" y="963550"/>
-            <a:ext cx="5054175" cy="3952625"/>
+            <a:off x="4002700" y="1017725"/>
+            <a:ext cx="5431301" cy="3879500"/>
           </a:xfrm>
           <a:prstGeom prst="rect">
             <a:avLst/>
@@ -7087,7 +7287,7 @@
             </a:pPr>
             <a:r>
               <a:rPr lang="en"/>
-              <a:t>Summary of findings</a:t>
+              <a:t>Who shot first - Han or Greedo?</a:t>
             </a:r>
             <a:endParaRPr/>
           </a:p>
@@ -7124,15 +7324,11 @@
                 <a:spcPts val="0"/>
               </a:spcAft>
               <a:buSzPts val="1800"/>
-              <a:buChar char="●"/>
+              <a:buChar char="-"/>
             </a:pPr>
             <a:r>
-              <a:rPr i="1" lang="en"/>
-              <a:t>Significantly </a:t>
-            </a:r>
-            <a:r>
               <a:rPr lang="en"/>
-              <a:t>more men responded as fans of the Star Wars franchise at 61% of the men polled, compared to women at 43% of respondents being fans.</a:t>
+              <a:t>A popular and ongoing debate among Star Wars fans is the simple question of “who shot first” in an infamous scene of the first movie made in the franchise. Because of the popularity of this scene among fans, it has a strong potential to be utilized for favorable response in advertisements. </a:t>
             </a:r>
             <a:endParaRPr/>
           </a:p>
@@ -7145,62 +7341,11 @@
                 <a:spcPts val="0"/>
               </a:spcAft>
               <a:buSzPts val="1800"/>
-              <a:buChar char="●"/>
+              <a:buChar char="-"/>
             </a:pPr>
             <a:r>
               <a:rPr lang="en"/>
-              <a:t>Close to 70% of men age 18-44 consider themselves to be fans of the Star Wars franchise, which is the highest ratio of fans in all age groups for both genders.</a:t>
-            </a:r>
-            <a:endParaRPr/>
-          </a:p>
-          <a:p>
-            <a:pPr indent="-342900" lvl="0" marL="457200" rtl="0" algn="l">
-              <a:spcBef>
-                <a:spcPts val="0"/>
-              </a:spcBef>
-              <a:spcAft>
-                <a:spcPts val="0"/>
-              </a:spcAft>
-              <a:buSzPts val="1800"/>
-              <a:buChar char="●"/>
-            </a:pPr>
-            <a:r>
-              <a:rPr lang="en"/>
-              <a:t>The majority of fans fell within the income range of $50,000 - $99,000 annual income.</a:t>
-            </a:r>
-            <a:endParaRPr/>
-          </a:p>
-          <a:p>
-            <a:pPr indent="-342900" lvl="0" marL="457200" rtl="0" algn="l">
-              <a:spcBef>
-                <a:spcPts val="0"/>
-              </a:spcBef>
-              <a:spcAft>
-                <a:spcPts val="0"/>
-              </a:spcAft>
-              <a:buSzPts val="1800"/>
-              <a:buChar char="●"/>
-            </a:pPr>
-            <a:r>
-              <a:rPr lang="en"/>
-              <a:t>88% of fans received at least a bachelor’s degree (or higher) level of education.</a:t>
-            </a:r>
-            <a:endParaRPr/>
-          </a:p>
-          <a:p>
-            <a:pPr indent="-342900" lvl="0" marL="457200" rtl="0" algn="l">
-              <a:spcBef>
-                <a:spcPts val="0"/>
-              </a:spcBef>
-              <a:spcAft>
-                <a:spcPts val="0"/>
-              </a:spcAft>
-              <a:buSzPts val="1800"/>
-              <a:buChar char="●"/>
-            </a:pPr>
-            <a:r>
-              <a:rPr lang="en"/>
-              <a:t>The East North Central and South Atlantic Regions had the most fans.</a:t>
+              <a:t>The questions when considering this possible marketing direction are 1) Who do most people think shot first? And 2) Is this meme really as popular as some fans seem to think it is?</a:t>
             </a:r>
             <a:endParaRPr/>
           </a:p>
@@ -7265,6 +7410,374 @@
             </a:pPr>
             <a:r>
               <a:rPr lang="en"/>
+              <a:t>Results - Who shot first?</a:t>
+            </a:r>
+            <a:endParaRPr/>
+          </a:p>
+        </p:txBody>
+      </p:sp>
+      <p:sp>
+        <p:nvSpPr>
+          <p:cNvPr id="133" name="Google Shape;133;p25"/>
+          <p:cNvSpPr txBox="1"/>
+          <p:nvPr>
+            <p:ph idx="1" type="body"/>
+          </p:nvPr>
+        </p:nvSpPr>
+        <p:spPr>
+          <a:xfrm>
+            <a:off x="311700" y="1152475"/>
+            <a:ext cx="3999900" cy="3416400"/>
+          </a:xfrm>
+          <a:prstGeom prst="rect">
+            <a:avLst/>
+          </a:prstGeom>
+        </p:spPr>
+        <p:txBody>
+          <a:bodyPr anchorCtr="0" anchor="t" bIns="91425" lIns="91425" spcFirstLastPara="1" rIns="91425" wrap="square" tIns="91425">
+            <a:noAutofit/>
+          </a:bodyPr>
+          <a:lstStyle/>
+          <a:p>
+            <a:pPr indent="-317500" lvl="0" marL="457200" rtl="0" algn="l">
+              <a:spcBef>
+                <a:spcPts val="0"/>
+              </a:spcBef>
+              <a:spcAft>
+                <a:spcPts val="0"/>
+              </a:spcAft>
+              <a:buSzPts val="1400"/>
+              <a:buChar char="-"/>
+            </a:pPr>
+            <a:r>
+              <a:rPr lang="en"/>
+              <a:t>When considering the entire survey sample, there were not significantly more people who favored one response vs people who were not even aware of this question as a meme. As a result, advertisements directed at initiating those unfamiliar with Star Wars would likely not effectively utilize this strategy.</a:t>
+            </a:r>
+            <a:endParaRPr/>
+          </a:p>
+          <a:p>
+            <a:pPr indent="-317500" lvl="0" marL="457200" rtl="0" algn="l">
+              <a:spcBef>
+                <a:spcPts val="0"/>
+              </a:spcBef>
+              <a:spcAft>
+                <a:spcPts val="0"/>
+              </a:spcAft>
+              <a:buSzPts val="1400"/>
+              <a:buChar char="-"/>
+            </a:pPr>
+            <a:r>
+              <a:rPr lang="en"/>
+              <a:t>Among fans, significantly more people believe that Han shot first (an estimated interval of between 45% - 53% of Star Wars fans are of this opinion).</a:t>
+            </a:r>
+            <a:endParaRPr/>
+          </a:p>
+        </p:txBody>
+      </p:sp>
+      <p:sp>
+        <p:nvSpPr>
+          <p:cNvPr id="134" name="Google Shape;134;p25"/>
+          <p:cNvSpPr txBox="1"/>
+          <p:nvPr>
+            <p:ph idx="2" type="body"/>
+          </p:nvPr>
+        </p:nvSpPr>
+        <p:spPr>
+          <a:xfrm>
+            <a:off x="4832400" y="1152475"/>
+            <a:ext cx="3999900" cy="3416400"/>
+          </a:xfrm>
+          <a:prstGeom prst="rect">
+            <a:avLst/>
+          </a:prstGeom>
+        </p:spPr>
+        <p:txBody>
+          <a:bodyPr anchorCtr="0" anchor="t" bIns="91425" lIns="91425" spcFirstLastPara="1" rIns="91425" wrap="square" tIns="91425">
+            <a:noAutofit/>
+          </a:bodyPr>
+          <a:lstStyle/>
+          <a:p>
+            <a:pPr indent="0" lvl="0" marL="0" rtl="0" algn="l">
+              <a:spcBef>
+                <a:spcPts val="0"/>
+              </a:spcBef>
+              <a:spcAft>
+                <a:spcPts val="1600"/>
+              </a:spcAft>
+              <a:buNone/>
+            </a:pPr>
+            <a:r>
+              <a:t/>
+            </a:r>
+            <a:endParaRPr/>
+          </a:p>
+        </p:txBody>
+      </p:sp>
+      <p:pic>
+        <p:nvPicPr>
+          <p:cNvPr id="135" name="Google Shape;135;p25"/>
+          <p:cNvPicPr preferRelativeResize="0"/>
+          <p:nvPr/>
+        </p:nvPicPr>
+        <p:blipFill>
+          <a:blip r:embed="rId3">
+            <a:alphaModFix/>
+          </a:blip>
+          <a:stretch>
+            <a:fillRect/>
+          </a:stretch>
+        </p:blipFill>
+        <p:spPr>
+          <a:xfrm>
+            <a:off x="4311600" y="265225"/>
+            <a:ext cx="4832400" cy="4688825"/>
+          </a:xfrm>
+          <a:prstGeom prst="rect">
+            <a:avLst/>
+          </a:prstGeom>
+          <a:noFill/>
+          <a:ln>
+            <a:noFill/>
+          </a:ln>
+        </p:spPr>
+      </p:pic>
+    </p:spTree>
+  </p:cSld>
+  <p:clrMapOvr>
+    <a:masterClrMapping/>
+  </p:clrMapOvr>
+</p:sld>
+</file>
+
+<file path=ppt/slides/slide14.xml><?xml version="1.0" encoding="utf-8"?>
+<p:sld xmlns:a="http://schemas.openxmlformats.org/drawingml/2006/main" xmlns:r="http://schemas.openxmlformats.org/officeDocument/2006/relationships" xmlns:mc="http://schemas.openxmlformats.org/markup-compatibility/2006" xmlns:mv="urn:schemas-microsoft-com:mac:vml" xmlns:p="http://schemas.openxmlformats.org/presentationml/2006/main" xmlns:c="http://schemas.openxmlformats.org/drawingml/2006/chart" xmlns:dgm="http://schemas.openxmlformats.org/drawingml/2006/diagram" xmlns:o="urn:schemas-microsoft-com:office:office" xmlns:v="urn:schemas-microsoft-com:vml" xmlns:pvml="urn:schemas-microsoft-com:office:powerpoint" xmlns:com="http://schemas.openxmlformats.org/drawingml/2006/compatibility" xmlns:p14="http://schemas.microsoft.com/office/powerpoint/2010/main" xmlns:p15="http://schemas.microsoft.com/office/powerpoint/2012/main">
+  <p:cSld>
+    <p:spTree>
+      <p:nvGrpSpPr>
+        <p:cNvPr id="139" name="Shape 139"/>
+        <p:cNvGrpSpPr/>
+        <p:nvPr/>
+      </p:nvGrpSpPr>
+      <p:grpSpPr>
+        <a:xfrm>
+          <a:off x="0" y="0"/>
+          <a:ext cx="0" cy="0"/>
+          <a:chOff x="0" y="0"/>
+          <a:chExt cx="0" cy="0"/>
+        </a:xfrm>
+      </p:grpSpPr>
+      <p:sp>
+        <p:nvSpPr>
+          <p:cNvPr id="140" name="Google Shape;140;p26"/>
+          <p:cNvSpPr txBox="1"/>
+          <p:nvPr>
+            <p:ph type="title"/>
+          </p:nvPr>
+        </p:nvSpPr>
+        <p:spPr>
+          <a:xfrm>
+            <a:off x="311700" y="445025"/>
+            <a:ext cx="8520600" cy="572700"/>
+          </a:xfrm>
+          <a:prstGeom prst="rect">
+            <a:avLst/>
+          </a:prstGeom>
+        </p:spPr>
+        <p:txBody>
+          <a:bodyPr anchorCtr="0" anchor="t" bIns="91425" lIns="91425" spcFirstLastPara="1" rIns="91425" wrap="square" tIns="91425">
+            <a:noAutofit/>
+          </a:bodyPr>
+          <a:lstStyle/>
+          <a:p>
+            <a:pPr indent="0" lvl="0" marL="0" rtl="0" algn="l">
+              <a:spcBef>
+                <a:spcPts val="0"/>
+              </a:spcBef>
+              <a:spcAft>
+                <a:spcPts val="0"/>
+              </a:spcAft>
+              <a:buNone/>
+            </a:pPr>
+            <a:r>
+              <a:rPr lang="en"/>
+              <a:t>Summary of findings</a:t>
+            </a:r>
+            <a:endParaRPr/>
+          </a:p>
+        </p:txBody>
+      </p:sp>
+      <p:sp>
+        <p:nvSpPr>
+          <p:cNvPr id="141" name="Google Shape;141;p26"/>
+          <p:cNvSpPr txBox="1"/>
+          <p:nvPr>
+            <p:ph idx="1" type="body"/>
+          </p:nvPr>
+        </p:nvSpPr>
+        <p:spPr>
+          <a:xfrm>
+            <a:off x="311700" y="1152475"/>
+            <a:ext cx="8520600" cy="3593100"/>
+          </a:xfrm>
+          <a:prstGeom prst="rect">
+            <a:avLst/>
+          </a:prstGeom>
+        </p:spPr>
+        <p:txBody>
+          <a:bodyPr anchorCtr="0" anchor="t" bIns="91425" lIns="91425" spcFirstLastPara="1" rIns="91425" wrap="square" tIns="91425">
+            <a:noAutofit/>
+          </a:bodyPr>
+          <a:lstStyle/>
+          <a:p>
+            <a:pPr indent="-342900" lvl="0" marL="457200" rtl="0" algn="l">
+              <a:spcBef>
+                <a:spcPts val="0"/>
+              </a:spcBef>
+              <a:spcAft>
+                <a:spcPts val="0"/>
+              </a:spcAft>
+              <a:buSzPts val="1800"/>
+              <a:buChar char="●"/>
+            </a:pPr>
+            <a:r>
+              <a:rPr i="1" lang="en"/>
+              <a:t>Significantly </a:t>
+            </a:r>
+            <a:r>
+              <a:rPr lang="en"/>
+              <a:t>more men responded as fans of the Star Wars franchise at 61% of the men polled, compared to women at 43% of respondents being fans.</a:t>
+            </a:r>
+            <a:endParaRPr/>
+          </a:p>
+          <a:p>
+            <a:pPr indent="-342900" lvl="0" marL="457200" rtl="0" algn="l">
+              <a:spcBef>
+                <a:spcPts val="0"/>
+              </a:spcBef>
+              <a:spcAft>
+                <a:spcPts val="0"/>
+              </a:spcAft>
+              <a:buSzPts val="1800"/>
+              <a:buChar char="●"/>
+            </a:pPr>
+            <a:r>
+              <a:rPr lang="en"/>
+              <a:t>Close to 70% of men age 18-44 consider themselves to be fans of the Star Wars franchise, which is the highest ratio of fans in all age groups for both genders.</a:t>
+            </a:r>
+            <a:endParaRPr/>
+          </a:p>
+          <a:p>
+            <a:pPr indent="-342900" lvl="0" marL="457200" rtl="0" algn="l">
+              <a:spcBef>
+                <a:spcPts val="0"/>
+              </a:spcBef>
+              <a:spcAft>
+                <a:spcPts val="0"/>
+              </a:spcAft>
+              <a:buSzPts val="1800"/>
+              <a:buChar char="●"/>
+            </a:pPr>
+            <a:r>
+              <a:rPr lang="en"/>
+              <a:t>The majority of fans fell within the income range of $50,000 - $99,000 annual income, representing an estimated range of 32% - 40% of fans.</a:t>
+            </a:r>
+            <a:endParaRPr/>
+          </a:p>
+          <a:p>
+            <a:pPr indent="-342900" lvl="0" marL="457200" rtl="0" algn="l">
+              <a:spcBef>
+                <a:spcPts val="0"/>
+              </a:spcBef>
+              <a:spcAft>
+                <a:spcPts val="0"/>
+              </a:spcAft>
+              <a:buSzPts val="1800"/>
+              <a:buChar char="●"/>
+            </a:pPr>
+            <a:r>
+              <a:rPr lang="en"/>
+              <a:t>88% of fans received at least a bachelor’s degree (or higher) level of education.</a:t>
+            </a:r>
+            <a:endParaRPr/>
+          </a:p>
+          <a:p>
+            <a:pPr indent="-342900" lvl="0" marL="457200" rtl="0" algn="l">
+              <a:spcBef>
+                <a:spcPts val="0"/>
+              </a:spcBef>
+              <a:spcAft>
+                <a:spcPts val="0"/>
+              </a:spcAft>
+              <a:buSzPts val="1800"/>
+              <a:buChar char="●"/>
+            </a:pPr>
+            <a:r>
+              <a:rPr lang="en"/>
+              <a:t>The East North Central, South Atlantic and Pacific Regions had the most fans.</a:t>
+            </a:r>
+            <a:endParaRPr/>
+          </a:p>
+        </p:txBody>
+      </p:sp>
+    </p:spTree>
+  </p:cSld>
+  <p:clrMapOvr>
+    <a:masterClrMapping/>
+  </p:clrMapOvr>
+</p:sld>
+</file>
+
+<file path=ppt/slides/slide15.xml><?xml version="1.0" encoding="utf-8"?>
+<p:sld xmlns:a="http://schemas.openxmlformats.org/drawingml/2006/main" xmlns:r="http://schemas.openxmlformats.org/officeDocument/2006/relationships" xmlns:mc="http://schemas.openxmlformats.org/markup-compatibility/2006" xmlns:mv="urn:schemas-microsoft-com:mac:vml" xmlns:p="http://schemas.openxmlformats.org/presentationml/2006/main" xmlns:c="http://schemas.openxmlformats.org/drawingml/2006/chart" xmlns:dgm="http://schemas.openxmlformats.org/drawingml/2006/diagram" xmlns:o="urn:schemas-microsoft-com:office:office" xmlns:v="urn:schemas-microsoft-com:vml" xmlns:pvml="urn:schemas-microsoft-com:office:powerpoint" xmlns:com="http://schemas.openxmlformats.org/drawingml/2006/compatibility" xmlns:p14="http://schemas.microsoft.com/office/powerpoint/2010/main" xmlns:p15="http://schemas.microsoft.com/office/powerpoint/2012/main">
+  <p:cSld>
+    <p:spTree>
+      <p:nvGrpSpPr>
+        <p:cNvPr id="145" name="Shape 145"/>
+        <p:cNvGrpSpPr/>
+        <p:nvPr/>
+      </p:nvGrpSpPr>
+      <p:grpSpPr>
+        <a:xfrm>
+          <a:off x="0" y="0"/>
+          <a:ext cx="0" cy="0"/>
+          <a:chOff x="0" y="0"/>
+          <a:chExt cx="0" cy="0"/>
+        </a:xfrm>
+      </p:grpSpPr>
+      <p:sp>
+        <p:nvSpPr>
+          <p:cNvPr id="146" name="Google Shape;146;p27"/>
+          <p:cNvSpPr txBox="1"/>
+          <p:nvPr>
+            <p:ph type="title"/>
+          </p:nvPr>
+        </p:nvSpPr>
+        <p:spPr>
+          <a:xfrm>
+            <a:off x="311700" y="445025"/>
+            <a:ext cx="8520600" cy="572700"/>
+          </a:xfrm>
+          <a:prstGeom prst="rect">
+            <a:avLst/>
+          </a:prstGeom>
+        </p:spPr>
+        <p:txBody>
+          <a:bodyPr anchorCtr="0" anchor="t" bIns="91425" lIns="91425" spcFirstLastPara="1" rIns="91425" wrap="square" tIns="91425">
+            <a:noAutofit/>
+          </a:bodyPr>
+          <a:lstStyle/>
+          <a:p>
+            <a:pPr indent="0" lvl="0" marL="0" rtl="0" algn="l">
+              <a:spcBef>
+                <a:spcPts val="0"/>
+              </a:spcBef>
+              <a:spcAft>
+                <a:spcPts val="0"/>
+              </a:spcAft>
+              <a:buNone/>
+            </a:pPr>
+            <a:r>
+              <a:rPr lang="en"/>
               <a:t>Recommendations</a:t>
             </a:r>
             <a:endParaRPr/>
@@ -7273,7 +7786,7 @@
       </p:sp>
       <p:sp>
         <p:nvSpPr>
-          <p:cNvPr id="133" name="Google Shape;133;p25"/>
+          <p:cNvPr id="147" name="Google Shape;147;p27"/>
           <p:cNvSpPr txBox="1"/>
           <p:nvPr>
             <p:ph idx="1" type="body"/>
@@ -8356,13 +8869,29 @@
                 <a:spcPts val="1600"/>
               </a:spcBef>
               <a:spcAft>
-                <a:spcPts val="1600"/>
+                <a:spcPts val="0"/>
               </a:spcAft>
               <a:buNone/>
             </a:pPr>
             <a:r>
               <a:rPr lang="en"/>
               <a:t>-Inference from the survey seems to indicate that Star Wars fans are not uniformly distributed among these income levels, and that a majority of fans will be $50,000 - $99,999 range annually. </a:t>
+            </a:r>
+            <a:endParaRPr/>
+          </a:p>
+          <a:p>
+            <a:pPr indent="0" lvl="0" marL="0" rtl="0" algn="l">
+              <a:spcBef>
+                <a:spcPts val="1600"/>
+              </a:spcBef>
+              <a:spcAft>
+                <a:spcPts val="1600"/>
+              </a:spcAft>
+              <a:buNone/>
+            </a:pPr>
+            <a:r>
+              <a:rPr lang="en"/>
+              <a:t>-The 95% confidence interval of the proportion of fans in this income bracket is between about 32% - 40% of fans.</a:t>
             </a:r>
             <a:endParaRPr/>
           </a:p>
